--- a/자바 심화/자바 심화 과제/완료 과제/20230321 자바심화 과제 남정현.pptx
+++ b/자바 심화/자바 심화 과제/완료 과제/20230321 자바심화 과제 남정현.pptx
@@ -4404,7 +4404,7 @@
       </p:sp>
       <p:pic>
         <p:nvPicPr>
-          <p:cNvPr id="2" name="그림 1"/>
+          <p:cNvPr id="3" name="그림 2"/>
           <p:cNvPicPr>
             <a:picLocks noChangeAspect="1"/>
           </p:cNvPicPr>
@@ -4419,7 +4419,7 @@
         <p:spPr>
           <a:xfrm>
             <a:off x="805543" y="499960"/>
-            <a:ext cx="9804132" cy="6358040"/>
+            <a:ext cx="11234888" cy="6358040"/>
           </a:xfrm>
           <a:prstGeom prst="rect">
             <a:avLst/>
@@ -4497,7 +4497,7 @@
         </p:nvSpPr>
         <p:spPr>
           <a:xfrm>
-            <a:off x="5410200" y="1303662"/>
+            <a:off x="5410198" y="689062"/>
             <a:ext cx="1502229" cy="461665"/>
           </a:xfrm>
           <a:prstGeom prst="rect">
@@ -4527,7 +4527,7 @@
         </p:nvSpPr>
         <p:spPr>
           <a:xfrm>
-            <a:off x="5965371" y="2198914"/>
+            <a:off x="5965369" y="1567543"/>
             <a:ext cx="391886" cy="1480457"/>
           </a:xfrm>
           <a:prstGeom prst="downArrow">
@@ -4575,8 +4575,56 @@
         </p:blipFill>
         <p:spPr>
           <a:xfrm>
-            <a:off x="3208467" y="4488959"/>
+            <a:off x="3208465" y="3464816"/>
             <a:ext cx="5905693" cy="779725"/>
+          </a:xfrm>
+          <a:prstGeom prst="rect">
+            <a:avLst/>
+          </a:prstGeom>
+        </p:spPr>
+      </p:pic>
+      <p:pic>
+        <p:nvPicPr>
+          <p:cNvPr id="6" name="그림 5"/>
+          <p:cNvPicPr>
+            <a:picLocks noChangeAspect="1"/>
+          </p:cNvPicPr>
+          <p:nvPr/>
+        </p:nvPicPr>
+        <p:blipFill>
+          <a:blip r:embed="rId3"/>
+          <a:stretch>
+            <a:fillRect/>
+          </a:stretch>
+        </p:blipFill>
+        <p:spPr>
+          <a:xfrm>
+            <a:off x="3208465" y="4661357"/>
+            <a:ext cx="5905693" cy="746383"/>
+          </a:xfrm>
+          <a:prstGeom prst="rect">
+            <a:avLst/>
+          </a:prstGeom>
+        </p:spPr>
+      </p:pic>
+      <p:pic>
+        <p:nvPicPr>
+          <p:cNvPr id="7" name="그림 6"/>
+          <p:cNvPicPr>
+            <a:picLocks noChangeAspect="1"/>
+          </p:cNvPicPr>
+          <p:nvPr/>
+        </p:nvPicPr>
+        <p:blipFill>
+          <a:blip r:embed="rId4"/>
+          <a:stretch>
+            <a:fillRect/>
+          </a:stretch>
+        </p:blipFill>
+        <p:spPr>
+          <a:xfrm>
+            <a:off x="3208465" y="5824556"/>
+            <a:ext cx="5905693" cy="658612"/>
           </a:xfrm>
           <a:prstGeom prst="rect">
             <a:avLst/>
